--- a/presentationslide/CSS Frameworks - ReactATX Presentation.pptx
+++ b/presentationslide/CSS Frameworks - ReactATX Presentation.pptx
@@ -5182,7 +5182,16 @@
           <a:p>
             <a:pPr/>
             <a:r>
-              <a:t>Shortened URL: https://qrco.de/bfYLjX</a:t>
+              <a:t>Shortened URL: </a:t>
+            </a:r>
+            <a:r>
+              <a:rPr u="sng">
+                <a:hlinkClick r:id="rId4" invalidUrl="" action="" tgtFrame="" tooltip="" history="1" highlightClick="0" endSnd="0"/>
+              </a:rPr>
+              <a:t>https://bit.ly/40Li9rz</a:t>
+            </a:r>
+            <a:r>
+              <a:t> </a:t>
             </a:r>
           </a:p>
         </p:txBody>
@@ -5196,7 +5205,7 @@
           <p:nvPr/>
         </p:nvPicPr>
         <p:blipFill>
-          <a:blip r:embed="rId4">
+          <a:blip r:embed="rId5">
             <a:extLst/>
           </a:blip>
           <a:stretch>
@@ -5205,8 +5214,8 @@
         </p:blipFill>
         <p:spPr>
           <a:xfrm>
-            <a:off x="19301501" y="8554502"/>
-            <a:ext cx="5009099" cy="5009099"/>
+            <a:off x="17776430" y="7280706"/>
+            <a:ext cx="6261327" cy="6261327"/>
           </a:xfrm>
           <a:prstGeom prst="rect">
             <a:avLst/>

--- a/presentationslide/CSS Frameworks - ReactATX Presentation.pptx
+++ b/presentationslide/CSS Frameworks - ReactATX Presentation.pptx
@@ -4792,6 +4792,16 @@
               <a:t>Barclays Bank, Pixar, Mini Cooper</a:t>
             </a:r>
           </a:p>
+          <a:p>
+            <a:pPr/>
+            <a:r>
+              <a:rPr b="1"/>
+              <a:t>Milligram</a:t>
+            </a:r>
+            <a:r>
+              <a:t>: Node.js foundation, Airform</a:t>
+            </a:r>
+          </a:p>
         </p:txBody>
       </p:sp>
     </p:spTree>
@@ -5214,8 +5224,8 @@
         </p:blipFill>
         <p:spPr>
           <a:xfrm>
-            <a:off x="17776430" y="7280706"/>
-            <a:ext cx="6261327" cy="6261327"/>
+            <a:off x="17776431" y="7280706"/>
+            <a:ext cx="6261326" cy="6261327"/>
           </a:xfrm>
           <a:prstGeom prst="rect">
             <a:avLst/>
@@ -5729,6 +5739,10 @@
           </p:nvPr>
         </p:nvSpPr>
         <p:spPr>
+          <a:xfrm>
+            <a:off x="1269999" y="2954215"/>
+            <a:ext cx="21844001" cy="9896494"/>
+          </a:xfrm>
           <a:prstGeom prst="rect">
             <a:avLst/>
           </a:prstGeom>
@@ -5737,12 +5751,7 @@
           <a:bodyPr/>
           <a:lstStyle/>
           <a:p>
-            <a:pPr marL="542036" indent="-542036" defTabSz="2365248">
-              <a:spcBef>
-                <a:spcPts val="2300"/>
-              </a:spcBef>
-              <a:defRPr sz="4656"/>
-            </a:pPr>
+            <a:pPr/>
             <a:r>
               <a:rPr u="sng">
                 <a:hlinkClick r:id="rId2" invalidUrl="" action="" tgtFrame="" tooltip="" history="1" highlightClick="0" endSnd="0"/>
@@ -5751,12 +5760,7 @@
             </a:r>
           </a:p>
           <a:p>
-            <a:pPr marL="542036" indent="-542036" defTabSz="2365248">
-              <a:spcBef>
-                <a:spcPts val="2300"/>
-              </a:spcBef>
-              <a:defRPr sz="4656"/>
-            </a:pPr>
+            <a:pPr/>
             <a:r>
               <a:rPr u="sng">
                 <a:hlinkClick r:id="rId3" invalidUrl="" action="" tgtFrame="" tooltip="" history="1" highlightClick="0" endSnd="0"/>
@@ -5768,12 +5772,7 @@
             </a:r>
           </a:p>
           <a:p>
-            <a:pPr marL="542036" indent="-542036" defTabSz="2365248">
-              <a:spcBef>
-                <a:spcPts val="2300"/>
-              </a:spcBef>
-              <a:defRPr sz="4656"/>
-            </a:pPr>
+            <a:pPr/>
             <a:r>
               <a:rPr u="sng">
                 <a:hlinkClick r:id="rId4" invalidUrl="" action="" tgtFrame="" tooltip="" history="1" highlightClick="0" endSnd="0"/>
@@ -5785,12 +5784,7 @@
             </a:r>
           </a:p>
           <a:p>
-            <a:pPr marL="542036" indent="-542036" defTabSz="2365248">
-              <a:spcBef>
-                <a:spcPts val="2300"/>
-              </a:spcBef>
-              <a:defRPr sz="4656"/>
-            </a:pPr>
+            <a:pPr/>
             <a:r>
               <a:rPr u="sng">
                 <a:hlinkClick r:id="rId5" invalidUrl="" action="" tgtFrame="" tooltip="" history="1" highlightClick="0" endSnd="0"/>
@@ -5799,12 +5793,7 @@
             </a:r>
           </a:p>
           <a:p>
-            <a:pPr marL="542036" indent="-542036" defTabSz="2365248">
-              <a:spcBef>
-                <a:spcPts val="2300"/>
-              </a:spcBef>
-              <a:defRPr sz="4656"/>
-            </a:pPr>
+            <a:pPr/>
             <a:r>
               <a:rPr u="sng">
                 <a:hlinkClick r:id="rId6" invalidUrl="" action="" tgtFrame="" tooltip="" history="1" highlightClick="0" endSnd="0"/>
@@ -5813,12 +5802,7 @@
             </a:r>
           </a:p>
           <a:p>
-            <a:pPr marL="542036" indent="-542036" defTabSz="2365248">
-              <a:spcBef>
-                <a:spcPts val="2300"/>
-              </a:spcBef>
-              <a:defRPr sz="4656"/>
-            </a:pPr>
+            <a:pPr/>
             <a:r>
               <a:rPr u="sng">
                 <a:hlinkClick r:id="rId7" invalidUrl="" action="" tgtFrame="" tooltip="" history="1" highlightClick="0" endSnd="0"/>
@@ -5827,12 +5811,7 @@
             </a:r>
           </a:p>
           <a:p>
-            <a:pPr marL="542036" indent="-542036" defTabSz="2365248">
-              <a:spcBef>
-                <a:spcPts val="2300"/>
-              </a:spcBef>
-              <a:defRPr sz="4656"/>
-            </a:pPr>
+            <a:pPr/>
             <a:r>
               <a:rPr u="sng">
                 <a:hlinkClick r:id="rId8" invalidUrl="" action="" tgtFrame="" tooltip="" history="1" highlightClick="0" endSnd="0"/>
@@ -5841,17 +5820,24 @@
             </a:r>
           </a:p>
           <a:p>
-            <a:pPr marL="542036" indent="-542036" defTabSz="2365248">
-              <a:spcBef>
-                <a:spcPts val="2300"/>
-              </a:spcBef>
-              <a:defRPr sz="4656"/>
-            </a:pPr>
+            <a:pPr/>
             <a:r>
               <a:rPr u="sng">
                 <a:hlinkClick r:id="rId9" invalidUrl="" action="" tgtFrame="" tooltip="" history="1" highlightClick="0" endSnd="0"/>
               </a:rPr>
               <a:t>https://stackshare.io/tailwind-css</a:t>
+            </a:r>
+          </a:p>
+          <a:p>
+            <a:pPr/>
+            <a:r>
+              <a:rPr u="sng">
+                <a:hlinkClick r:id="rId10" invalidUrl="" action="" tgtFrame="" tooltip="" history="1" highlightClick="0" endSnd="0"/>
+              </a:rPr>
+              <a:t>https://milligram.io/typography.html</a:t>
+            </a:r>
+            <a:r>
+              <a:t> </a:t>
             </a:r>
           </a:p>
         </p:txBody>
@@ -6653,7 +6639,7 @@
       </p:sp>
       <p:sp>
         <p:nvSpPr>
-          <p:cNvPr id="191" name="Extremely small libraries. Some take only 2 kilobytes of data to install (skeleton.css)…"/>
+          <p:cNvPr id="191" name="Extremely small libraries. Some take only 2 kilobytes of data to install (milligram.io)…"/>
           <p:cNvSpPr txBox="1"/>
           <p:nvPr>
             <p:ph type="body" idx="1"/>
@@ -6682,7 +6668,16 @@
               <a:t>2 kilobytes</a:t>
             </a:r>
             <a:r>
-              <a:t> of data to install (skeleton.css) </a:t>
+              <a:t> of data to install (</a:t>
+            </a:r>
+            <a:r>
+              <a:rPr u="sng">
+                <a:hlinkClick r:id="rId2" invalidUrl="" action="" tgtFrame="" tooltip="" history="1" highlightClick="0" endSnd="0"/>
+              </a:rPr>
+              <a:t>milligram.io</a:t>
+            </a:r>
+            <a:r>
+              <a:t>) </a:t>
             </a:r>
           </a:p>
           <a:p>
